--- a/01_Follow_up_activities.pptx
+++ b/01_Follow_up_activities.pptx
@@ -10,7 +10,6 @@
     <p:sldId id="299" r:id="rId4"/>
     <p:sldId id="298" r:id="rId5"/>
     <p:sldId id="283" r:id="rId6"/>
-    <p:sldId id="300" r:id="rId7"/>
   </p:sldIdLst>
   <p:sldSz cx="12192000" cy="6858000"/>
   <p:notesSz cx="6858000" cy="9144000"/>
@@ -266,7 +265,7 @@
           <a:p>
             <a:fld id="{830943F9-8AC6-4393-AEEF-D45C2A43C7C7}" type="datetimeFigureOut">
               <a:rPr lang="LID4096" smtClean="0"/>
-              <a:t>08/07/2025</a:t>
+              <a:t>08/25/2025</a:t>
             </a:fld>
             <a:endParaRPr lang="LID4096"/>
           </a:p>
@@ -466,7 +465,7 @@
           <a:p>
             <a:fld id="{830943F9-8AC6-4393-AEEF-D45C2A43C7C7}" type="datetimeFigureOut">
               <a:rPr lang="LID4096" smtClean="0"/>
-              <a:t>08/07/2025</a:t>
+              <a:t>08/25/2025</a:t>
             </a:fld>
             <a:endParaRPr lang="LID4096"/>
           </a:p>
@@ -676,7 +675,7 @@
           <a:p>
             <a:fld id="{830943F9-8AC6-4393-AEEF-D45C2A43C7C7}" type="datetimeFigureOut">
               <a:rPr lang="LID4096" smtClean="0"/>
-              <a:t>08/07/2025</a:t>
+              <a:t>08/25/2025</a:t>
             </a:fld>
             <a:endParaRPr lang="LID4096"/>
           </a:p>
@@ -876,7 +875,7 @@
           <a:p>
             <a:fld id="{830943F9-8AC6-4393-AEEF-D45C2A43C7C7}" type="datetimeFigureOut">
               <a:rPr lang="LID4096" smtClean="0"/>
-              <a:t>08/07/2025</a:t>
+              <a:t>08/25/2025</a:t>
             </a:fld>
             <a:endParaRPr lang="LID4096"/>
           </a:p>
@@ -1152,7 +1151,7 @@
           <a:p>
             <a:fld id="{830943F9-8AC6-4393-AEEF-D45C2A43C7C7}" type="datetimeFigureOut">
               <a:rPr lang="LID4096" smtClean="0"/>
-              <a:t>08/07/2025</a:t>
+              <a:t>08/25/2025</a:t>
             </a:fld>
             <a:endParaRPr lang="LID4096"/>
           </a:p>
@@ -1420,7 +1419,7 @@
           <a:p>
             <a:fld id="{830943F9-8AC6-4393-AEEF-D45C2A43C7C7}" type="datetimeFigureOut">
               <a:rPr lang="LID4096" smtClean="0"/>
-              <a:t>08/07/2025</a:t>
+              <a:t>08/25/2025</a:t>
             </a:fld>
             <a:endParaRPr lang="LID4096"/>
           </a:p>
@@ -1835,7 +1834,7 @@
           <a:p>
             <a:fld id="{830943F9-8AC6-4393-AEEF-D45C2A43C7C7}" type="datetimeFigureOut">
               <a:rPr lang="LID4096" smtClean="0"/>
-              <a:t>08/07/2025</a:t>
+              <a:t>08/25/2025</a:t>
             </a:fld>
             <a:endParaRPr lang="LID4096"/>
           </a:p>
@@ -1977,7 +1976,7 @@
           <a:p>
             <a:fld id="{830943F9-8AC6-4393-AEEF-D45C2A43C7C7}" type="datetimeFigureOut">
               <a:rPr lang="LID4096" smtClean="0"/>
-              <a:t>08/07/2025</a:t>
+              <a:t>08/25/2025</a:t>
             </a:fld>
             <a:endParaRPr lang="LID4096"/>
           </a:p>
@@ -2090,7 +2089,7 @@
           <a:p>
             <a:fld id="{830943F9-8AC6-4393-AEEF-D45C2A43C7C7}" type="datetimeFigureOut">
               <a:rPr lang="LID4096" smtClean="0"/>
-              <a:t>08/07/2025</a:t>
+              <a:t>08/25/2025</a:t>
             </a:fld>
             <a:endParaRPr lang="LID4096"/>
           </a:p>
@@ -2403,7 +2402,7 @@
           <a:p>
             <a:fld id="{830943F9-8AC6-4393-AEEF-D45C2A43C7C7}" type="datetimeFigureOut">
               <a:rPr lang="LID4096" smtClean="0"/>
-              <a:t>08/07/2025</a:t>
+              <a:t>08/25/2025</a:t>
             </a:fld>
             <a:endParaRPr lang="LID4096"/>
           </a:p>
@@ -2692,7 +2691,7 @@
           <a:p>
             <a:fld id="{830943F9-8AC6-4393-AEEF-D45C2A43C7C7}" type="datetimeFigureOut">
               <a:rPr lang="LID4096" smtClean="0"/>
-              <a:t>08/07/2025</a:t>
+              <a:t>08/25/2025</a:t>
             </a:fld>
             <a:endParaRPr lang="LID4096"/>
           </a:p>
@@ -2935,7 +2934,7 @@
           <a:p>
             <a:fld id="{830943F9-8AC6-4393-AEEF-D45C2A43C7C7}" type="datetimeFigureOut">
               <a:rPr lang="LID4096" smtClean="0"/>
-              <a:t>08/07/2025</a:t>
+              <a:t>08/25/2025</a:t>
             </a:fld>
             <a:endParaRPr lang="LID4096"/>
           </a:p>
@@ -6771,86 +6770,6 @@
 </p:sld>
 </file>
 
-<file path=ppt/slides/slide6.xml><?xml version="1.0" encoding="utf-8"?>
-<p:sld xmlns:a="http://schemas.openxmlformats.org/drawingml/2006/main" xmlns:r="http://schemas.openxmlformats.org/officeDocument/2006/relationships" xmlns:p="http://schemas.openxmlformats.org/presentationml/2006/main">
-  <p:cSld>
-    <p:spTree>
-      <p:nvGrpSpPr>
-        <p:cNvPr id="1" name=""/>
-        <p:cNvGrpSpPr/>
-        <p:nvPr/>
-      </p:nvGrpSpPr>
-      <p:grpSpPr>
-        <a:xfrm>
-          <a:off x="0" y="0"/>
-          <a:ext cx="0" cy="0"/>
-          <a:chOff x="0" y="0"/>
-          <a:chExt cx="0" cy="0"/>
-        </a:xfrm>
-      </p:grpSpPr>
-      <p:sp>
-        <p:nvSpPr>
-          <p:cNvPr id="2" name="Title 1">
-            <a:extLst>
-              <a:ext uri="{FF2B5EF4-FFF2-40B4-BE49-F238E27FC236}">
-                <a16:creationId xmlns:a16="http://schemas.microsoft.com/office/drawing/2014/main" id="{11BA20CA-1470-B010-F011-21EFAE5B9F0F}"/>
-              </a:ext>
-            </a:extLst>
-          </p:cNvPr>
-          <p:cNvSpPr>
-            <a:spLocks noGrp="1"/>
-          </p:cNvSpPr>
-          <p:nvPr>
-            <p:ph type="title"/>
-          </p:nvPr>
-        </p:nvSpPr>
-        <p:spPr/>
-        <p:txBody>
-          <a:bodyPr/>
-          <a:lstStyle/>
-          <a:p>
-            <a:endParaRPr lang="LID4096"/>
-          </a:p>
-        </p:txBody>
-      </p:sp>
-      <p:sp>
-        <p:nvSpPr>
-          <p:cNvPr id="3" name="Content Placeholder 2">
-            <a:extLst>
-              <a:ext uri="{FF2B5EF4-FFF2-40B4-BE49-F238E27FC236}">
-                <a16:creationId xmlns:a16="http://schemas.microsoft.com/office/drawing/2014/main" id="{EEAC947D-879C-F583-B44A-3CED3CA9E282}"/>
-              </a:ext>
-            </a:extLst>
-          </p:cNvPr>
-          <p:cNvSpPr>
-            <a:spLocks noGrp="1"/>
-          </p:cNvSpPr>
-          <p:nvPr>
-            <p:ph idx="1"/>
-          </p:nvPr>
-        </p:nvSpPr>
-        <p:spPr/>
-        <p:txBody>
-          <a:bodyPr/>
-          <a:lstStyle/>
-          <a:p>
-            <a:endParaRPr lang="LID4096"/>
-          </a:p>
-        </p:txBody>
-      </p:sp>
-    </p:spTree>
-    <p:extLst>
-      <p:ext uri="{BB962C8B-B14F-4D97-AF65-F5344CB8AC3E}">
-        <p14:creationId xmlns:p14="http://schemas.microsoft.com/office/powerpoint/2010/main" val="2790215392"/>
-      </p:ext>
-    </p:extLst>
-  </p:cSld>
-  <p:clrMapOvr>
-    <a:masterClrMapping/>
-  </p:clrMapOvr>
-</p:sld>
-</file>
-
 <file path=ppt/theme/theme1.xml><?xml version="1.0" encoding="utf-8"?>
 <a:theme xmlns:a="http://schemas.openxmlformats.org/drawingml/2006/main" name="Office Theme">
   <a:themeElements>
